--- a/Föreläsningar/F02 - HTML.pptx
+++ b/Föreläsningar/F02 - HTML.pptx
@@ -225,7 +225,7 @@
             <a:fld id="{D591C14E-198E-48A7-ABEC-7FB80E868E55}" type="datetimeFigureOut">
               <a:rPr lang="sv-SE" smtClean="0"/>
               <a:pPr/>
-              <a:t>2013-09-08</a:t>
+              <a:t>2013-11-08</a:t>
             </a:fld>
             <a:endParaRPr lang="sv-SE"/>
           </a:p>
@@ -392,7 +392,7 @@
             <a:fld id="{188BB863-C913-48B5-BD1A-638D82A0C76B}" type="datetimeFigureOut">
               <a:rPr lang="sv-SE" smtClean="0"/>
               <a:pPr/>
-              <a:t>2013-09-08</a:t>
+              <a:t>2013-11-08</a:t>
             </a:fld>
             <a:endParaRPr lang="sv-SE"/>
           </a:p>
@@ -7309,16 +7309,10 @@
           </a:p>
           <a:p>
             <a:r>
-              <a:rPr lang="sv-SE" dirty="0">
-                <a:latin typeface="Minya Nouvelle" pitchFamily="2" charset="0"/>
-              </a:rPr>
-              <a:t>Webbteknisk introduktion </a:t>
-            </a:r>
-            <a:r>
               <a:rPr lang="sv-SE" dirty="0" smtClean="0">
                 <a:latin typeface="Minya Nouvelle" pitchFamily="2" charset="0"/>
               </a:rPr>
-              <a:t>1IK415</a:t>
+              <a:t>Klientbaserad Webbutveckling 1DV435</a:t>
             </a:r>
             <a:endParaRPr lang="sv-SE" dirty="0">
               <a:latin typeface="Minya Nouvelle" pitchFamily="2" charset="0"/>
@@ -7858,7 +7852,27 @@
                 <a:latin typeface="Courier New" pitchFamily="49" charset="0"/>
                 <a:cs typeface="Courier New" pitchFamily="49" charset="0"/>
               </a:rPr>
-              <a:t>= 1ik415-laborationer</a:t>
+              <a:t>= </a:t>
+            </a:r>
+            <a:r>
+              <a:rPr lang="sv-SE" sz="2000" b="1" dirty="0" smtClean="0">
+                <a:solidFill>
+                  <a:srgbClr val="000000"/>
+                </a:solidFill>
+                <a:latin typeface="Courier New" pitchFamily="49" charset="0"/>
+                <a:cs typeface="Courier New" pitchFamily="49" charset="0"/>
+              </a:rPr>
+              <a:t>1dv435-</a:t>
+            </a:r>
+            <a:r>
+              <a:rPr lang="sv-SE" sz="2000" b="1" dirty="0" smtClean="0">
+                <a:solidFill>
+                  <a:srgbClr val="000000"/>
+                </a:solidFill>
+                <a:latin typeface="Courier New" pitchFamily="49" charset="0"/>
+                <a:cs typeface="Courier New" pitchFamily="49" charset="0"/>
+              </a:rPr>
+              <a:t>laborationer</a:t>
             </a:r>
           </a:p>
           <a:p>
@@ -7934,7 +7948,21 @@
                 <a:latin typeface="Courier New" pitchFamily="49" charset="0"/>
                 <a:cs typeface="Courier New" pitchFamily="49" charset="0"/>
               </a:rPr>
-              <a:t>/xx222yy.github.io/1ik415-laborationer/pages/</a:t>
+              <a:t>/xx222yy.github.io/</a:t>
+            </a:r>
+            <a:r>
+              <a:rPr lang="sv-SE" b="1" dirty="0" smtClean="0">
+                <a:latin typeface="Courier New" pitchFamily="49" charset="0"/>
+                <a:cs typeface="Courier New" pitchFamily="49" charset="0"/>
+              </a:rPr>
+              <a:t>1dv435-</a:t>
+            </a:r>
+            <a:r>
+              <a:rPr lang="sv-SE" b="1" dirty="0" smtClean="0">
+                <a:latin typeface="Courier New" pitchFamily="49" charset="0"/>
+                <a:cs typeface="Courier New" pitchFamily="49" charset="0"/>
+              </a:rPr>
+              <a:t>laborationer/pages/</a:t>
             </a:r>
             <a:r>
               <a:rPr lang="sv-SE" b="1" dirty="0" err="1" smtClean="0">
@@ -15434,9 +15462,6 @@
               </a:rPr>
               <a:t>Taggar</a:t>
             </a:r>
-            <a:endParaRPr lang="sv-SE" dirty="0" smtClean="0">
-              <a:latin typeface="Minya Nouvelle" pitchFamily="2" charset="0"/>
-            </a:endParaRPr>
           </a:p>
           <a:p>
             <a:pPr marL="285750" indent="-285750">
